--- a/inclass_students/KendrickFlinn/Blackboard Storyboarding.pptx
+++ b/inclass_students/KendrickFlinn/Blackboard Storyboarding.pptx
@@ -9,6 +9,7 @@
     <p:sldId id="257" r:id="rId3"/>
     <p:sldId id="258" r:id="rId4"/>
     <p:sldId id="259" r:id="rId5"/>
+    <p:sldId id="260" r:id="rId6"/>
   </p:sldIdLst>
   <p:sldSz cx="12192000" cy="6858000"/>
   <p:notesSz cx="6858000" cy="9144000"/>
@@ -107,6 +108,11 @@
       </a:defRPr>
     </a:lvl9pPr>
   </p:defaultTextStyle>
+  <p:extLst>
+    <p:ext uri="{EFAFB233-063F-42B5-8137-9DF3F51BA10A}">
+      <p15:sldGuideLst xmlns:p15="http://schemas.microsoft.com/office/powerpoint/2012/main"/>
+    </p:ext>
+  </p:extLst>
 </p:presentation>
 </file>
 
@@ -155,7 +161,6 @@
               <a:rPr lang="en-US"/>
               <a:t>Click to edit Master title style</a:t>
             </a:r>
-            <a:endParaRPr lang="en-US"/>
           </a:p>
         </p:txBody>
       </p:sp>
@@ -220,7 +225,6 @@
               <a:rPr lang="en-US"/>
               <a:t>Click to edit Master subtitle style</a:t>
             </a:r>
-            <a:endParaRPr lang="en-US"/>
           </a:p>
         </p:txBody>
       </p:sp>
@@ -338,7 +342,6 @@
               <a:rPr lang="en-US"/>
               <a:t>Click to edit Master title style</a:t>
             </a:r>
-            <a:endParaRPr lang="en-US"/>
           </a:p>
         </p:txBody>
       </p:sp>
@@ -390,7 +393,6 @@
               <a:rPr lang="en-US"/>
               <a:t>Fifth level</a:t>
             </a:r>
-            <a:endParaRPr lang="en-US"/>
           </a:p>
         </p:txBody>
       </p:sp>
@@ -513,7 +515,6 @@
               <a:rPr lang="en-US"/>
               <a:t>Click to edit Master title style</a:t>
             </a:r>
-            <a:endParaRPr lang="en-US"/>
           </a:p>
         </p:txBody>
       </p:sp>
@@ -570,7 +571,6 @@
               <a:rPr lang="en-US"/>
               <a:t>Fifth level</a:t>
             </a:r>
-            <a:endParaRPr lang="en-US"/>
           </a:p>
         </p:txBody>
       </p:sp>
@@ -688,7 +688,6 @@
               <a:rPr lang="en-US"/>
               <a:t>Click to edit Master title style</a:t>
             </a:r>
-            <a:endParaRPr lang="en-US"/>
           </a:p>
         </p:txBody>
       </p:sp>
@@ -740,7 +739,6 @@
               <a:rPr lang="en-US"/>
               <a:t>Fifth level</a:t>
             </a:r>
-            <a:endParaRPr lang="en-US"/>
           </a:p>
         </p:txBody>
       </p:sp>
@@ -867,7 +865,6 @@
               <a:rPr lang="en-US"/>
               <a:t>Click to edit Master title style</a:t>
             </a:r>
-            <a:endParaRPr lang="en-US"/>
           </a:p>
         </p:txBody>
       </p:sp>
@@ -1104,7 +1101,6 @@
               <a:rPr lang="en-US"/>
               <a:t>Click to edit Master title style</a:t>
             </a:r>
-            <a:endParaRPr lang="en-US"/>
           </a:p>
         </p:txBody>
       </p:sp>
@@ -1161,7 +1157,6 @@
               <a:rPr lang="en-US"/>
               <a:t>Fifth level</a:t>
             </a:r>
-            <a:endParaRPr lang="en-US"/>
           </a:p>
         </p:txBody>
       </p:sp>
@@ -1218,7 +1213,6 @@
               <a:rPr lang="en-US"/>
               <a:t>Fifth level</a:t>
             </a:r>
-            <a:endParaRPr lang="en-US"/>
           </a:p>
         </p:txBody>
       </p:sp>
@@ -1341,7 +1335,6 @@
               <a:rPr lang="en-US"/>
               <a:t>Click to edit Master title style</a:t>
             </a:r>
-            <a:endParaRPr lang="en-US"/>
           </a:p>
         </p:txBody>
       </p:sp>
@@ -1463,7 +1456,6 @@
               <a:rPr lang="en-US"/>
               <a:t>Fifth level</a:t>
             </a:r>
-            <a:endParaRPr lang="en-US"/>
           </a:p>
         </p:txBody>
       </p:sp>
@@ -1585,7 +1577,6 @@
               <a:rPr lang="en-US"/>
               <a:t>Fifth level</a:t>
             </a:r>
-            <a:endParaRPr lang="en-US"/>
           </a:p>
         </p:txBody>
       </p:sp>
@@ -1703,7 +1694,6 @@
               <a:rPr lang="en-US"/>
               <a:t>Click to edit Master title style</a:t>
             </a:r>
-            <a:endParaRPr lang="en-US"/>
           </a:p>
         </p:txBody>
       </p:sp>
@@ -1925,7 +1915,6 @@
               <a:rPr lang="en-US"/>
               <a:t>Click to edit Master title style</a:t>
             </a:r>
-            <a:endParaRPr lang="en-US"/>
           </a:p>
         </p:txBody>
       </p:sp>
@@ -2010,7 +1999,6 @@
               <a:rPr lang="en-US"/>
               <a:t>Fifth level</a:t>
             </a:r>
-            <a:endParaRPr lang="en-US"/>
           </a:p>
         </p:txBody>
       </p:sp>
@@ -2202,7 +2190,6 @@
               <a:rPr lang="en-US"/>
               <a:t>Click to edit Master title style</a:t>
             </a:r>
-            <a:endParaRPr lang="en-US"/>
           </a:p>
         </p:txBody>
       </p:sp>
@@ -2461,7 +2448,6 @@
               <a:rPr lang="en-US"/>
               <a:t>Click to edit Master title style</a:t>
             </a:r>
-            <a:endParaRPr lang="en-US"/>
           </a:p>
         </p:txBody>
       </p:sp>
@@ -2523,7 +2509,6 @@
               <a:rPr lang="en-US"/>
               <a:t>Fifth level</a:t>
             </a:r>
-            <a:endParaRPr lang="en-US"/>
           </a:p>
         </p:txBody>
       </p:sp>
@@ -3018,12 +3003,33 @@
             <p:ph type="subTitle" idx="1"/>
           </p:nvPr>
         </p:nvSpPr>
-        <p:spPr/>
+        <p:spPr>
+          <a:xfrm>
+            <a:off x="1524000" y="3806433"/>
+            <a:ext cx="9144000" cy="1655762"/>
+          </a:xfrm>
+        </p:spPr>
         <p:txBody>
           <a:bodyPr/>
           <a:lstStyle/>
           <a:p>
-            <a:endParaRPr lang="en-US"/>
+            <a:r>
+              <a:rPr lang="en-US" dirty="0" smtClean="0">
+                <a:solidFill>
+                  <a:schemeClr val="accent1">
+                    <a:lumMod val="75000"/>
+                  </a:schemeClr>
+                </a:solidFill>
+              </a:rPr>
+              <a:t>Kendrick Flinn</a:t>
+            </a:r>
+            <a:endParaRPr lang="en-US" dirty="0">
+              <a:solidFill>
+                <a:schemeClr val="accent1">
+                  <a:lumMod val="75000"/>
+                </a:schemeClr>
+              </a:solidFill>
+            </a:endParaRPr>
           </a:p>
         </p:txBody>
       </p:sp>
@@ -3103,10 +3109,19 @@
                 </a:solidFill>
                 <a:latin typeface="Arial Rounded MT Bold" panose="020F0704030504030204" pitchFamily="34" charset="0"/>
               </a:rPr>
-              <a:t>Blackbaord</a:t>
-            </a:r>
-            <a:r>
-              <a:rPr lang="en-US" dirty="0">
+              <a:t>W</a:t>
+            </a:r>
+            <a:r>
+              <a:rPr lang="en-US" dirty="0" err="1" smtClean="0">
+                <a:solidFill>
+                  <a:schemeClr val="bg1"/>
+                </a:solidFill>
+                <a:latin typeface="Arial Rounded MT Bold" panose="020F0704030504030204" pitchFamily="34" charset="0"/>
+              </a:rPr>
+              <a:t>hiteBoard</a:t>
+            </a:r>
+            <a:r>
+              <a:rPr lang="en-US" dirty="0" smtClean="0">
                 <a:solidFill>
                   <a:schemeClr val="bg1"/>
                 </a:solidFill>
@@ -3114,6 +3129,12 @@
               </a:rPr>
               <a:t>!</a:t>
             </a:r>
+            <a:endParaRPr lang="en-US" dirty="0">
+              <a:solidFill>
+                <a:schemeClr val="bg1"/>
+              </a:solidFill>
+              <a:latin typeface="Arial Rounded MT Bold" panose="020F0704030504030204" pitchFamily="34" charset="0"/>
+            </a:endParaRPr>
           </a:p>
         </p:txBody>
       </p:sp>
@@ -3981,6 +4002,136 @@
           </a:p>
         </p:txBody>
       </p:sp>
+      <p:sp>
+        <p:nvSpPr>
+          <p:cNvPr id="3" name="TextBox 2"/>
+          <p:cNvSpPr txBox="1"/>
+          <p:nvPr/>
+        </p:nvSpPr>
+        <p:spPr>
+          <a:xfrm>
+            <a:off x="710900" y="1785704"/>
+            <a:ext cx="2438400" cy="369332"/>
+          </a:xfrm>
+          <a:prstGeom prst="rect">
+            <a:avLst/>
+          </a:prstGeom>
+          <a:noFill/>
+        </p:spPr>
+        <p:txBody>
+          <a:bodyPr wrap="square" rtlCol="0">
+            <a:spAutoFit/>
+          </a:bodyPr>
+          <a:lstStyle/>
+          <a:p>
+            <a:r>
+              <a:rPr lang="en-US" dirty="0" smtClean="0">
+                <a:solidFill>
+                  <a:schemeClr val="bg1"/>
+                </a:solidFill>
+              </a:rPr>
+              <a:t>*Student View</a:t>
+            </a:r>
+            <a:endParaRPr lang="en-US" dirty="0">
+              <a:solidFill>
+                <a:schemeClr val="bg1"/>
+              </a:solidFill>
+            </a:endParaRPr>
+          </a:p>
+        </p:txBody>
+      </p:sp>
+      <p:sp>
+        <p:nvSpPr>
+          <p:cNvPr id="18" name="TextBox 17"/>
+          <p:cNvSpPr txBox="1"/>
+          <p:nvPr/>
+        </p:nvSpPr>
+        <p:spPr>
+          <a:xfrm>
+            <a:off x="528918" y="2348753"/>
+            <a:ext cx="2393576" cy="3139321"/>
+          </a:xfrm>
+          <a:prstGeom prst="rect">
+            <a:avLst/>
+          </a:prstGeom>
+          <a:noFill/>
+        </p:spPr>
+        <p:txBody>
+          <a:bodyPr wrap="square" rtlCol="0">
+            <a:spAutoFit/>
+          </a:bodyPr>
+          <a:lstStyle/>
+          <a:p>
+            <a:pPr marL="285750" indent="-285750">
+              <a:buFontTx/>
+              <a:buChar char="-"/>
+            </a:pPr>
+            <a:r>
+              <a:rPr lang="en-US" dirty="0" smtClean="0">
+                <a:solidFill>
+                  <a:schemeClr val="bg1"/>
+                </a:solidFill>
+              </a:rPr>
+              <a:t>Shows current semester courses</a:t>
+            </a:r>
+          </a:p>
+          <a:p>
+            <a:pPr marL="285750" indent="-285750">
+              <a:buFontTx/>
+              <a:buChar char="-"/>
+            </a:pPr>
+            <a:endParaRPr lang="en-US" dirty="0" smtClean="0">
+              <a:solidFill>
+                <a:schemeClr val="bg1"/>
+              </a:solidFill>
+            </a:endParaRPr>
+          </a:p>
+          <a:p>
+            <a:pPr marL="285750" indent="-285750">
+              <a:buFontTx/>
+              <a:buChar char="-"/>
+            </a:pPr>
+            <a:r>
+              <a:rPr lang="en-US" dirty="0" smtClean="0">
+                <a:solidFill>
+                  <a:schemeClr val="bg1"/>
+                </a:solidFill>
+              </a:rPr>
+              <a:t>Displays notifications for courses in upper right corner</a:t>
+            </a:r>
+          </a:p>
+          <a:p>
+            <a:pPr marL="285750" indent="-285750">
+              <a:buFontTx/>
+              <a:buChar char="-"/>
+            </a:pPr>
+            <a:endParaRPr lang="en-US" dirty="0">
+              <a:solidFill>
+                <a:schemeClr val="bg1"/>
+              </a:solidFill>
+            </a:endParaRPr>
+          </a:p>
+          <a:p>
+            <a:pPr marL="285750" indent="-285750">
+              <a:buFontTx/>
+              <a:buChar char="-"/>
+            </a:pPr>
+            <a:r>
+              <a:rPr lang="en-US" dirty="0" smtClean="0">
+                <a:solidFill>
+                  <a:schemeClr val="bg1"/>
+                </a:solidFill>
+              </a:rPr>
+              <a:t>Displays current standing grade for course</a:t>
+            </a:r>
+            <a:endParaRPr lang="en-US" dirty="0">
+              <a:solidFill>
+                <a:schemeClr val="bg1"/>
+              </a:solidFill>
+            </a:endParaRPr>
+          </a:p>
+        </p:txBody>
+      </p:sp>
     </p:spTree>
     <p:extLst>
       <p:ext uri="{BB962C8B-B14F-4D97-AF65-F5344CB8AC3E}">
@@ -4497,6 +4648,544 @@
     <p:extLst>
       <p:ext uri="{BB962C8B-B14F-4D97-AF65-F5344CB8AC3E}">
         <p14:creationId xmlns:p14="http://schemas.microsoft.com/office/powerpoint/2010/main" val="729752725"/>
+      </p:ext>
+    </p:extLst>
+  </p:cSld>
+  <p:clrMapOvr>
+    <a:masterClrMapping/>
+  </p:clrMapOvr>
+</p:sld>
+</file>
+
+<file path=ppt/slides/slide5.xml><?xml version="1.0" encoding="utf-8"?>
+<p:sld xmlns:a="http://schemas.openxmlformats.org/drawingml/2006/main" xmlns:r="http://schemas.openxmlformats.org/officeDocument/2006/relationships" xmlns:p="http://schemas.openxmlformats.org/presentationml/2006/main">
+  <p:cSld>
+    <p:bg>
+      <p:bgPr>
+        <a:blipFill dpi="0" rotWithShape="1">
+          <a:blip r:embed="rId2">
+            <a:lum/>
+          </a:blip>
+          <a:srcRect/>
+          <a:stretch>
+            <a:fillRect t="-9000" b="-9000"/>
+          </a:stretch>
+        </a:blipFill>
+        <a:effectLst/>
+      </p:bgPr>
+    </p:bg>
+    <p:spTree>
+      <p:nvGrpSpPr>
+        <p:cNvPr id="1" name=""/>
+        <p:cNvGrpSpPr/>
+        <p:nvPr/>
+      </p:nvGrpSpPr>
+      <p:grpSpPr>
+        <a:xfrm>
+          <a:off x="0" y="0"/>
+          <a:ext cx="0" cy="0"/>
+          <a:chOff x="0" y="0"/>
+          <a:chExt cx="0" cy="0"/>
+        </a:xfrm>
+      </p:grpSpPr>
+      <p:sp>
+        <p:nvSpPr>
+          <p:cNvPr id="2" name="Title 1"/>
+          <p:cNvSpPr>
+            <a:spLocks noGrp="1"/>
+          </p:cNvSpPr>
+          <p:nvPr>
+            <p:ph type="title"/>
+          </p:nvPr>
+        </p:nvSpPr>
+        <p:spPr>
+          <a:xfrm>
+            <a:off x="0" y="0"/>
+            <a:ext cx="6799729" cy="882762"/>
+          </a:xfrm>
+        </p:spPr>
+        <p:txBody>
+          <a:bodyPr/>
+          <a:lstStyle/>
+          <a:p>
+            <a:r>
+              <a:rPr lang="en-US" dirty="0" smtClean="0">
+                <a:solidFill>
+                  <a:schemeClr val="bg1"/>
+                </a:solidFill>
+              </a:rPr>
+              <a:t>Welcome back Mr. Freeland!</a:t>
+            </a:r>
+            <a:endParaRPr lang="en-US" dirty="0">
+              <a:solidFill>
+                <a:schemeClr val="bg1"/>
+              </a:solidFill>
+            </a:endParaRPr>
+          </a:p>
+        </p:txBody>
+      </p:sp>
+      <p:sp>
+        <p:nvSpPr>
+          <p:cNvPr id="4" name="TextBox 3"/>
+          <p:cNvSpPr txBox="1"/>
+          <p:nvPr/>
+        </p:nvSpPr>
+        <p:spPr>
+          <a:xfrm>
+            <a:off x="8993393" y="256715"/>
+            <a:ext cx="4227755" cy="369332"/>
+          </a:xfrm>
+          <a:prstGeom prst="rect">
+            <a:avLst/>
+          </a:prstGeom>
+          <a:noFill/>
+        </p:spPr>
+        <p:txBody>
+          <a:bodyPr wrap="square" rtlCol="0">
+            <a:spAutoFit/>
+          </a:bodyPr>
+          <a:lstStyle/>
+          <a:p>
+            <a:r>
+              <a:rPr lang="en-US" u="sng" dirty="0" smtClean="0">
+                <a:solidFill>
+                  <a:schemeClr val="accent1">
+                    <a:lumMod val="75000"/>
+                  </a:schemeClr>
+                </a:solidFill>
+              </a:rPr>
+              <a:t>Questions from students</a:t>
+            </a:r>
+            <a:endParaRPr lang="en-US" u="sng" dirty="0">
+              <a:solidFill>
+                <a:schemeClr val="accent1">
+                  <a:lumMod val="75000"/>
+                </a:schemeClr>
+              </a:solidFill>
+            </a:endParaRPr>
+          </a:p>
+        </p:txBody>
+      </p:sp>
+      <p:pic>
+        <p:nvPicPr>
+          <p:cNvPr id="5" name="Picture 4"/>
+          <p:cNvPicPr>
+            <a:picLocks noChangeAspect="1"/>
+          </p:cNvPicPr>
+          <p:nvPr/>
+        </p:nvPicPr>
+        <p:blipFill>
+          <a:blip r:embed="rId3" cstate="print">
+            <a:extLst>
+              <a:ext uri="{28A0092B-C50C-407E-A947-70E740481C1C}">
+                <a14:useLocalDpi xmlns:a14="http://schemas.microsoft.com/office/drawing/2010/main" val="0"/>
+              </a:ext>
+            </a:extLst>
+          </a:blip>
+          <a:stretch>
+            <a:fillRect/>
+          </a:stretch>
+        </p:blipFill>
+        <p:spPr>
+          <a:xfrm>
+            <a:off x="8316662" y="199334"/>
+            <a:ext cx="915544" cy="484094"/>
+          </a:xfrm>
+          <a:prstGeom prst="rect">
+            <a:avLst/>
+          </a:prstGeom>
+        </p:spPr>
+      </p:pic>
+      <p:sp>
+        <p:nvSpPr>
+          <p:cNvPr id="6" name="Rectangle 5"/>
+          <p:cNvSpPr/>
+          <p:nvPr/>
+        </p:nvSpPr>
+        <p:spPr>
+          <a:xfrm>
+            <a:off x="6754686" y="2463502"/>
+            <a:ext cx="4039496" cy="2420470"/>
+          </a:xfrm>
+          <a:prstGeom prst="rect">
+            <a:avLst/>
+          </a:prstGeom>
+          <a:solidFill>
+            <a:schemeClr val="bg1">
+              <a:lumMod val="75000"/>
+            </a:schemeClr>
+          </a:solidFill>
+          <a:ln>
+            <a:solidFill>
+              <a:schemeClr val="bg1"/>
+            </a:solidFill>
+          </a:ln>
+        </p:spPr>
+        <p:style>
+          <a:lnRef idx="2">
+            <a:schemeClr val="accent1">
+              <a:shade val="50000"/>
+            </a:schemeClr>
+          </a:lnRef>
+          <a:fillRef idx="1">
+            <a:schemeClr val="accent1"/>
+          </a:fillRef>
+          <a:effectRef idx="0">
+            <a:schemeClr val="accent1"/>
+          </a:effectRef>
+          <a:fontRef idx="minor">
+            <a:schemeClr val="lt1"/>
+          </a:fontRef>
+        </p:style>
+        <p:txBody>
+          <a:bodyPr rtlCol="0" anchor="ctr"/>
+          <a:lstStyle/>
+          <a:p>
+            <a:pPr algn="ctr"/>
+            <a:endParaRPr lang="en-US"/>
+          </a:p>
+        </p:txBody>
+      </p:sp>
+      <p:sp>
+        <p:nvSpPr>
+          <p:cNvPr id="7" name="TextBox 6"/>
+          <p:cNvSpPr txBox="1"/>
+          <p:nvPr/>
+        </p:nvSpPr>
+        <p:spPr>
+          <a:xfrm>
+            <a:off x="7616414" y="3044415"/>
+            <a:ext cx="2753957" cy="369332"/>
+          </a:xfrm>
+          <a:prstGeom prst="rect">
+            <a:avLst/>
+          </a:prstGeom>
+          <a:noFill/>
+        </p:spPr>
+        <p:txBody>
+          <a:bodyPr wrap="square" rtlCol="0">
+            <a:spAutoFit/>
+          </a:bodyPr>
+          <a:lstStyle/>
+          <a:p>
+            <a:r>
+              <a:rPr lang="en-US" dirty="0" smtClean="0"/>
+              <a:t>Ungraded Assignments</a:t>
+            </a:r>
+            <a:endParaRPr lang="en-US" dirty="0"/>
+          </a:p>
+        </p:txBody>
+      </p:sp>
+      <p:sp>
+        <p:nvSpPr>
+          <p:cNvPr id="8" name="Oval 7"/>
+          <p:cNvSpPr/>
+          <p:nvPr/>
+        </p:nvSpPr>
+        <p:spPr>
+          <a:xfrm>
+            <a:off x="8412479" y="3711388"/>
+            <a:ext cx="892885" cy="806824"/>
+          </a:xfrm>
+          <a:prstGeom prst="ellipse">
+            <a:avLst/>
+          </a:prstGeom>
+          <a:solidFill>
+            <a:schemeClr val="bg1"/>
+          </a:solidFill>
+          <a:ln>
+            <a:solidFill>
+              <a:srgbClr val="FF0000"/>
+            </a:solidFill>
+          </a:ln>
+        </p:spPr>
+        <p:style>
+          <a:lnRef idx="2">
+            <a:schemeClr val="accent1">
+              <a:shade val="50000"/>
+            </a:schemeClr>
+          </a:lnRef>
+          <a:fillRef idx="1">
+            <a:schemeClr val="accent1"/>
+          </a:fillRef>
+          <a:effectRef idx="0">
+            <a:schemeClr val="accent1"/>
+          </a:effectRef>
+          <a:fontRef idx="minor">
+            <a:schemeClr val="lt1"/>
+          </a:fontRef>
+        </p:style>
+        <p:txBody>
+          <a:bodyPr rtlCol="0" anchor="ctr"/>
+          <a:lstStyle/>
+          <a:p>
+            <a:pPr algn="ctr"/>
+            <a:endParaRPr lang="en-US"/>
+          </a:p>
+        </p:txBody>
+      </p:sp>
+      <p:sp>
+        <p:nvSpPr>
+          <p:cNvPr id="9" name="TextBox 8"/>
+          <p:cNvSpPr txBox="1"/>
+          <p:nvPr/>
+        </p:nvSpPr>
+        <p:spPr>
+          <a:xfrm>
+            <a:off x="8666858" y="3913997"/>
+            <a:ext cx="561542" cy="369332"/>
+          </a:xfrm>
+          <a:prstGeom prst="rect">
+            <a:avLst/>
+          </a:prstGeom>
+          <a:noFill/>
+        </p:spPr>
+        <p:txBody>
+          <a:bodyPr wrap="square" rtlCol="0">
+            <a:spAutoFit/>
+          </a:bodyPr>
+          <a:lstStyle/>
+          <a:p>
+            <a:r>
+              <a:rPr lang="en-US" dirty="0" smtClean="0">
+                <a:solidFill>
+                  <a:srgbClr val="FF0000"/>
+                </a:solidFill>
+              </a:rPr>
+              <a:t>23</a:t>
+            </a:r>
+            <a:endParaRPr lang="en-US" dirty="0">
+              <a:solidFill>
+                <a:srgbClr val="FF0000"/>
+              </a:solidFill>
+            </a:endParaRPr>
+          </a:p>
+        </p:txBody>
+      </p:sp>
+      <p:sp>
+        <p:nvSpPr>
+          <p:cNvPr id="10" name="Rectangle 9"/>
+          <p:cNvSpPr/>
+          <p:nvPr/>
+        </p:nvSpPr>
+        <p:spPr>
+          <a:xfrm>
+            <a:off x="1524339" y="2463502"/>
+            <a:ext cx="4039496" cy="2420470"/>
+          </a:xfrm>
+          <a:prstGeom prst="rect">
+            <a:avLst/>
+          </a:prstGeom>
+          <a:solidFill>
+            <a:schemeClr val="bg1">
+              <a:lumMod val="75000"/>
+            </a:schemeClr>
+          </a:solidFill>
+          <a:ln>
+            <a:solidFill>
+              <a:schemeClr val="bg1"/>
+            </a:solidFill>
+          </a:ln>
+        </p:spPr>
+        <p:style>
+          <a:lnRef idx="2">
+            <a:schemeClr val="accent1">
+              <a:shade val="50000"/>
+            </a:schemeClr>
+          </a:lnRef>
+          <a:fillRef idx="1">
+            <a:schemeClr val="accent1"/>
+          </a:fillRef>
+          <a:effectRef idx="0">
+            <a:schemeClr val="accent1"/>
+          </a:effectRef>
+          <a:fontRef idx="minor">
+            <a:schemeClr val="lt1"/>
+          </a:fontRef>
+        </p:style>
+        <p:txBody>
+          <a:bodyPr rtlCol="0" anchor="ctr"/>
+          <a:lstStyle/>
+          <a:p>
+            <a:pPr algn="ctr"/>
+            <a:endParaRPr lang="en-US"/>
+          </a:p>
+        </p:txBody>
+      </p:sp>
+      <p:sp>
+        <p:nvSpPr>
+          <p:cNvPr id="11" name="TextBox 10"/>
+          <p:cNvSpPr txBox="1"/>
+          <p:nvPr/>
+        </p:nvSpPr>
+        <p:spPr>
+          <a:xfrm>
+            <a:off x="2182178" y="3044415"/>
+            <a:ext cx="2723817" cy="369332"/>
+          </a:xfrm>
+          <a:prstGeom prst="rect">
+            <a:avLst/>
+          </a:prstGeom>
+          <a:noFill/>
+        </p:spPr>
+        <p:txBody>
+          <a:bodyPr wrap="square" rtlCol="0">
+            <a:spAutoFit/>
+          </a:bodyPr>
+          <a:lstStyle/>
+          <a:p>
+            <a:r>
+              <a:rPr lang="en-US" dirty="0" smtClean="0"/>
+              <a:t>Submit New Assignments</a:t>
+            </a:r>
+            <a:endParaRPr lang="en-US" dirty="0"/>
+          </a:p>
+        </p:txBody>
+      </p:sp>
+      <p:pic>
+        <p:nvPicPr>
+          <p:cNvPr id="12" name="Picture 11"/>
+          <p:cNvPicPr>
+            <a:picLocks noChangeAspect="1"/>
+          </p:cNvPicPr>
+          <p:nvPr/>
+        </p:nvPicPr>
+        <p:blipFill>
+          <a:blip r:embed="rId4" cstate="print">
+            <a:extLst>
+              <a:ext uri="{28A0092B-C50C-407E-A947-70E740481C1C}">
+                <a14:useLocalDpi xmlns:a14="http://schemas.microsoft.com/office/drawing/2010/main" val="0"/>
+              </a:ext>
+            </a:extLst>
+          </a:blip>
+          <a:stretch>
+            <a:fillRect/>
+          </a:stretch>
+        </p:blipFill>
+        <p:spPr>
+          <a:xfrm rot="879565">
+            <a:off x="3032863" y="3483437"/>
+            <a:ext cx="1022446" cy="1022446"/>
+          </a:xfrm>
+          <a:prstGeom prst="rect">
+            <a:avLst/>
+          </a:prstGeom>
+        </p:spPr>
+      </p:pic>
+      <p:sp>
+        <p:nvSpPr>
+          <p:cNvPr id="13" name="TextBox 12"/>
+          <p:cNvSpPr txBox="1"/>
+          <p:nvPr/>
+        </p:nvSpPr>
+        <p:spPr>
+          <a:xfrm>
+            <a:off x="4947516" y="1402703"/>
+            <a:ext cx="4045876" cy="369332"/>
+          </a:xfrm>
+          <a:prstGeom prst="rect">
+            <a:avLst/>
+          </a:prstGeom>
+          <a:noFill/>
+        </p:spPr>
+        <p:txBody>
+          <a:bodyPr wrap="square" rtlCol="0">
+            <a:spAutoFit/>
+          </a:bodyPr>
+          <a:lstStyle/>
+          <a:p>
+            <a:r>
+              <a:rPr lang="en-US" dirty="0" smtClean="0">
+                <a:solidFill>
+                  <a:schemeClr val="bg1"/>
+                </a:solidFill>
+              </a:rPr>
+              <a:t>Web Design (Fall 2016)</a:t>
+            </a:r>
+            <a:endParaRPr lang="en-US" dirty="0">
+              <a:solidFill>
+                <a:schemeClr val="bg1"/>
+              </a:solidFill>
+            </a:endParaRPr>
+          </a:p>
+        </p:txBody>
+      </p:sp>
+      <p:sp>
+        <p:nvSpPr>
+          <p:cNvPr id="14" name="TextBox 13"/>
+          <p:cNvSpPr txBox="1"/>
+          <p:nvPr/>
+        </p:nvSpPr>
+        <p:spPr>
+          <a:xfrm>
+            <a:off x="5206701" y="5766099"/>
+            <a:ext cx="4346088" cy="369332"/>
+          </a:xfrm>
+          <a:prstGeom prst="rect">
+            <a:avLst/>
+          </a:prstGeom>
+          <a:noFill/>
+        </p:spPr>
+        <p:txBody>
+          <a:bodyPr wrap="square" rtlCol="0">
+            <a:spAutoFit/>
+          </a:bodyPr>
+          <a:lstStyle/>
+          <a:p>
+            <a:r>
+              <a:rPr lang="en-US" u="sng" dirty="0" smtClean="0">
+                <a:solidFill>
+                  <a:schemeClr val="accent1">
+                    <a:lumMod val="75000"/>
+                  </a:schemeClr>
+                </a:solidFill>
+              </a:rPr>
+              <a:t>Make a course announcement</a:t>
+            </a:r>
+            <a:endParaRPr lang="en-US" u="sng" dirty="0">
+              <a:solidFill>
+                <a:schemeClr val="accent1">
+                  <a:lumMod val="75000"/>
+                </a:schemeClr>
+              </a:solidFill>
+            </a:endParaRPr>
+          </a:p>
+        </p:txBody>
+      </p:sp>
+      <p:pic>
+        <p:nvPicPr>
+          <p:cNvPr id="15" name="Picture 14"/>
+          <p:cNvPicPr>
+            <a:picLocks noChangeAspect="1"/>
+          </p:cNvPicPr>
+          <p:nvPr/>
+        </p:nvPicPr>
+        <p:blipFill>
+          <a:blip r:embed="rId5" cstate="print">
+            <a:extLst>
+              <a:ext uri="{28A0092B-C50C-407E-A947-70E740481C1C}">
+                <a14:useLocalDpi xmlns:a14="http://schemas.microsoft.com/office/drawing/2010/main" val="0"/>
+              </a:ext>
+            </a:extLst>
+          </a:blip>
+          <a:stretch>
+            <a:fillRect/>
+          </a:stretch>
+        </p:blipFill>
+        <p:spPr>
+          <a:xfrm>
+            <a:off x="4426611" y="5706759"/>
+            <a:ext cx="487402" cy="488012"/>
+          </a:xfrm>
+          <a:prstGeom prst="rect">
+            <a:avLst/>
+          </a:prstGeom>
+        </p:spPr>
+      </p:pic>
+    </p:spTree>
+    <p:extLst>
+      <p:ext uri="{BB962C8B-B14F-4D97-AF65-F5344CB8AC3E}">
+        <p14:creationId xmlns:p14="http://schemas.microsoft.com/office/powerpoint/2010/main" val="1103409182"/>
       </p:ext>
     </p:extLst>
   </p:cSld>
